--- a/presentation.pptx
+++ b/presentation.pptx
@@ -306,7 +306,7 @@
           <a:p>
             <a:fld id="{01969F52-B8C5-4B4B-9AD5-A1C381DCB57B}" type="datetimeFigureOut">
               <a:rPr lang="en-US" smtClean="0"/>
-              <a:t>09-Jan-22</a:t>
+              <a:t>10-Jan-22</a:t>
             </a:fld>
             <a:endParaRPr lang="en-US"/>
           </a:p>
@@ -742,7 +742,7 @@
           <a:p>
             <a:fld id="{01969F52-B8C5-4B4B-9AD5-A1C381DCB57B}" type="datetimeFigureOut">
               <a:rPr lang="en-US" smtClean="0"/>
-              <a:t>09-Jan-22</a:t>
+              <a:t>10-Jan-22</a:t>
             </a:fld>
             <a:endParaRPr lang="en-US"/>
           </a:p>
@@ -992,7 +992,7 @@
           <a:p>
             <a:fld id="{01969F52-B8C5-4B4B-9AD5-A1C381DCB57B}" type="datetimeFigureOut">
               <a:rPr lang="en-US" smtClean="0"/>
-              <a:t>09-Jan-22</a:t>
+              <a:t>10-Jan-22</a:t>
             </a:fld>
             <a:endParaRPr lang="en-US"/>
           </a:p>
@@ -1300,7 +1300,7 @@
           <a:p>
             <a:fld id="{01969F52-B8C5-4B4B-9AD5-A1C381DCB57B}" type="datetimeFigureOut">
               <a:rPr lang="en-US" smtClean="0"/>
-              <a:t>09-Jan-22</a:t>
+              <a:t>10-Jan-22</a:t>
             </a:fld>
             <a:endParaRPr lang="en-US"/>
           </a:p>
@@ -1618,7 +1618,7 @@
           <a:p>
             <a:fld id="{01969F52-B8C5-4B4B-9AD5-A1C381DCB57B}" type="datetimeFigureOut">
               <a:rPr lang="en-US" smtClean="0"/>
-              <a:t>09-Jan-22</a:t>
+              <a:t>10-Jan-22</a:t>
             </a:fld>
             <a:endParaRPr lang="en-US"/>
           </a:p>
@@ -1920,7 +1920,7 @@
           <a:p>
             <a:fld id="{01969F52-B8C5-4B4B-9AD5-A1C381DCB57B}" type="datetimeFigureOut">
               <a:rPr lang="en-US" smtClean="0"/>
-              <a:t>09-Jan-22</a:t>
+              <a:t>10-Jan-22</a:t>
             </a:fld>
             <a:endParaRPr lang="en-US"/>
           </a:p>
@@ -2287,7 +2287,7 @@
           <a:p>
             <a:fld id="{01969F52-B8C5-4B4B-9AD5-A1C381DCB57B}" type="datetimeFigureOut">
               <a:rPr lang="en-US" smtClean="0"/>
-              <a:t>09-Jan-22</a:t>
+              <a:t>10-Jan-22</a:t>
             </a:fld>
             <a:endParaRPr lang="en-US"/>
           </a:p>
@@ -2461,7 +2461,7 @@
           <a:p>
             <a:fld id="{01969F52-B8C5-4B4B-9AD5-A1C381DCB57B}" type="datetimeFigureOut">
               <a:rPr lang="en-US" smtClean="0"/>
-              <a:t>09-Jan-22</a:t>
+              <a:t>10-Jan-22</a:t>
             </a:fld>
             <a:endParaRPr lang="en-US"/>
           </a:p>
@@ -2641,7 +2641,7 @@
           <a:p>
             <a:fld id="{01969F52-B8C5-4B4B-9AD5-A1C381DCB57B}" type="datetimeFigureOut">
               <a:rPr lang="en-US" smtClean="0"/>
-              <a:t>09-Jan-22</a:t>
+              <a:t>10-Jan-22</a:t>
             </a:fld>
             <a:endParaRPr lang="en-US"/>
           </a:p>
@@ -2811,7 +2811,7 @@
           <a:p>
             <a:fld id="{01969F52-B8C5-4B4B-9AD5-A1C381DCB57B}" type="datetimeFigureOut">
               <a:rPr lang="en-US" smtClean="0"/>
-              <a:t>09-Jan-22</a:t>
+              <a:t>10-Jan-22</a:t>
             </a:fld>
             <a:endParaRPr lang="en-US"/>
           </a:p>
@@ -3061,7 +3061,7 @@
           <a:p>
             <a:fld id="{01969F52-B8C5-4B4B-9AD5-A1C381DCB57B}" type="datetimeFigureOut">
               <a:rPr lang="en-US" smtClean="0"/>
-              <a:t>09-Jan-22</a:t>
+              <a:t>10-Jan-22</a:t>
             </a:fld>
             <a:endParaRPr lang="en-US"/>
           </a:p>
@@ -3297,7 +3297,7 @@
           <a:p>
             <a:fld id="{01969F52-B8C5-4B4B-9AD5-A1C381DCB57B}" type="datetimeFigureOut">
               <a:rPr lang="en-US" smtClean="0"/>
-              <a:t>09-Jan-22</a:t>
+              <a:t>10-Jan-22</a:t>
             </a:fld>
             <a:endParaRPr lang="en-US"/>
           </a:p>
@@ -3679,7 +3679,7 @@
           <a:p>
             <a:fld id="{01969F52-B8C5-4B4B-9AD5-A1C381DCB57B}" type="datetimeFigureOut">
               <a:rPr lang="en-US" smtClean="0"/>
-              <a:t>09-Jan-22</a:t>
+              <a:t>10-Jan-22</a:t>
             </a:fld>
             <a:endParaRPr lang="en-US"/>
           </a:p>
@@ -3797,7 +3797,7 @@
           <a:p>
             <a:fld id="{01969F52-B8C5-4B4B-9AD5-A1C381DCB57B}" type="datetimeFigureOut">
               <a:rPr lang="en-US" smtClean="0"/>
-              <a:t>09-Jan-22</a:t>
+              <a:t>10-Jan-22</a:t>
             </a:fld>
             <a:endParaRPr lang="en-US"/>
           </a:p>
@@ -3892,7 +3892,7 @@
           <a:p>
             <a:fld id="{01969F52-B8C5-4B4B-9AD5-A1C381DCB57B}" type="datetimeFigureOut">
               <a:rPr lang="en-US" smtClean="0"/>
-              <a:t>09-Jan-22</a:t>
+              <a:t>10-Jan-22</a:t>
             </a:fld>
             <a:endParaRPr lang="en-US"/>
           </a:p>
@@ -4147,7 +4147,7 @@
           <a:p>
             <a:fld id="{01969F52-B8C5-4B4B-9AD5-A1C381DCB57B}" type="datetimeFigureOut">
               <a:rPr lang="en-US" smtClean="0"/>
-              <a:t>09-Jan-22</a:t>
+              <a:t>10-Jan-22</a:t>
             </a:fld>
             <a:endParaRPr lang="en-US"/>
           </a:p>
@@ -4430,7 +4430,7 @@
           <a:p>
             <a:fld id="{01969F52-B8C5-4B4B-9AD5-A1C381DCB57B}" type="datetimeFigureOut">
               <a:rPr lang="en-US" smtClean="0"/>
-              <a:t>09-Jan-22</a:t>
+              <a:t>10-Jan-22</a:t>
             </a:fld>
             <a:endParaRPr lang="en-US"/>
           </a:p>
@@ -4836,7 +4836,7 @@
           <a:p>
             <a:fld id="{01969F52-B8C5-4B4B-9AD5-A1C381DCB57B}" type="datetimeFigureOut">
               <a:rPr lang="en-US" smtClean="0"/>
-              <a:t>09-Jan-22</a:t>
+              <a:t>10-Jan-22</a:t>
             </a:fld>
             <a:endParaRPr lang="en-US"/>
           </a:p>
@@ -5538,7 +5538,7 @@
         </p:nvSpPr>
         <p:spPr>
           <a:xfrm>
-            <a:off x="684212" y="2936147"/>
+            <a:off x="684212" y="2516697"/>
             <a:ext cx="8534400" cy="3220053"/>
           </a:xfrm>
         </p:spPr>
@@ -5648,7 +5648,7 @@
         </p:nvSpPr>
         <p:spPr>
           <a:xfrm>
-            <a:off x="684212" y="2667699"/>
+            <a:off x="684212" y="2558642"/>
             <a:ext cx="8534400" cy="3220053"/>
           </a:xfrm>
         </p:spPr>
@@ -5773,7 +5773,9 @@
           </a:xfrm>
         </p:spPr>
         <p:txBody>
-          <a:bodyPr/>
+          <a:bodyPr>
+            <a:normAutofit fontScale="92500" lnSpcReduction="10000"/>
+          </a:bodyPr>
           <a:lstStyle/>
           <a:p>
             <a:r>
@@ -5788,6 +5790,37 @@
             <a:r>
               <a:rPr lang="en-US" dirty="0"/>
               <a:t>I had to learn about data scraping and custom data scraping structures, email activities and excel integration in UiPath.</a:t>
+            </a:r>
+          </a:p>
+          <a:p>
+            <a:endParaRPr lang="en-US" dirty="0"/>
+          </a:p>
+          <a:p>
+            <a:r>
+              <a:rPr lang="en-US" dirty="0"/>
+              <a:t>Further improvements: </a:t>
+            </a:r>
+          </a:p>
+          <a:p>
+            <a:pPr lvl="1"/>
+            <a:r>
+              <a:rPr lang="en-US" dirty="0"/>
+              <a:t>Using more websites to have higher chances of having the </a:t>
+            </a:r>
+            <a:r>
+              <a:rPr lang="en-US" dirty="0" err="1"/>
+              <a:t>the</a:t>
+            </a:r>
+            <a:r>
+              <a:rPr lang="en-US" dirty="0"/>
+              <a:t> highest odds.</a:t>
+            </a:r>
+          </a:p>
+          <a:p>
+            <a:pPr lvl="1"/>
+            <a:r>
+              <a:rPr lang="en-US" dirty="0"/>
+              <a:t>Taking into consideration more matches.</a:t>
             </a:r>
           </a:p>
         </p:txBody>
